--- a/apresentacao case - grupo boticario.pptx
+++ b/apresentacao case - grupo boticario.pptx
@@ -14,7 +14,8 @@
     <p:sldId id="263" r:id="rId8"/>
     <p:sldId id="264" r:id="rId9"/>
     <p:sldId id="265" r:id="rId10"/>
-    <p:sldId id="266" r:id="rId11"/>
+    <p:sldId id="267" r:id="rId11"/>
+    <p:sldId id="266" r:id="rId12"/>
   </p:sldIdLst>
   <p:sldSz cx="12192000" cy="6858000"/>
   <p:notesSz cx="6858000" cy="9144000"/>
@@ -3983,6 +3984,154 @@
           </a:prstGeom>
         </p:spPr>
       </p:pic>
+      <p:pic>
+        <p:nvPicPr>
+          <p:cNvPr id="10" name="Imagem 9">
+            <a:extLst>
+              <a:ext uri="{FF2B5EF4-FFF2-40B4-BE49-F238E27FC236}">
+                <a16:creationId xmlns:a16="http://schemas.microsoft.com/office/drawing/2014/main" id="{5B419849-AA04-41B6-9FE7-B10193B1CCFB}"/>
+              </a:ext>
+            </a:extLst>
+          </p:cNvPr>
+          <p:cNvPicPr>
+            <a:picLocks noChangeAspect="1"/>
+          </p:cNvPicPr>
+          <p:nvPr/>
+        </p:nvPicPr>
+        <p:blipFill>
+          <a:blip r:embed="rId3"/>
+          <a:stretch>
+            <a:fillRect/>
+          </a:stretch>
+        </p:blipFill>
+        <p:spPr>
+          <a:xfrm>
+            <a:off x="1668222" y="1236283"/>
+            <a:ext cx="8996897" cy="4910370"/>
+          </a:xfrm>
+          <a:prstGeom prst="rect">
+            <a:avLst/>
+          </a:prstGeom>
+        </p:spPr>
+      </p:pic>
+      <p:sp>
+        <p:nvSpPr>
+          <p:cNvPr id="11" name="Título 2">
+            <a:extLst>
+              <a:ext uri="{FF2B5EF4-FFF2-40B4-BE49-F238E27FC236}">
+                <a16:creationId xmlns:a16="http://schemas.microsoft.com/office/drawing/2014/main" id="{46D951EA-7217-484F-9B0F-1FFF0361DBBF}"/>
+              </a:ext>
+            </a:extLst>
+          </p:cNvPr>
+          <p:cNvSpPr>
+            <a:spLocks noGrp="1"/>
+          </p:cNvSpPr>
+          <p:nvPr>
+            <p:ph type="title"/>
+          </p:nvPr>
+        </p:nvSpPr>
+        <p:spPr>
+          <a:xfrm>
+            <a:off x="5843533" y="395257"/>
+            <a:ext cx="4821586" cy="632179"/>
+          </a:xfrm>
+        </p:spPr>
+        <p:txBody>
+          <a:bodyPr>
+            <a:normAutofit fontScale="90000"/>
+          </a:bodyPr>
+          <a:lstStyle/>
+          <a:p>
+            <a:r>
+              <a:rPr lang="pt-BR" sz="3200" dirty="0">
+                <a:latin typeface="Arial Unicode MS" panose="020B0604020202020204" pitchFamily="34" charset="-128"/>
+                <a:ea typeface="Arial Unicode MS" panose="020B0604020202020204" pitchFamily="34" charset="-128"/>
+                <a:cs typeface="Arial Unicode MS" panose="020B0604020202020204" pitchFamily="34" charset="-128"/>
+              </a:rPr>
+              <a:t>Tabelas criadas no </a:t>
+            </a:r>
+            <a:r>
+              <a:rPr lang="pt-BR" sz="3200" dirty="0" err="1">
+                <a:latin typeface="Arial Unicode MS" panose="020B0604020202020204" pitchFamily="34" charset="-128"/>
+                <a:ea typeface="Arial Unicode MS" panose="020B0604020202020204" pitchFamily="34" charset="-128"/>
+                <a:cs typeface="Arial Unicode MS" panose="020B0604020202020204" pitchFamily="34" charset="-128"/>
+              </a:rPr>
+              <a:t>BigQuery</a:t>
+            </a:r>
+            <a:endParaRPr lang="pt-BR" sz="3200" dirty="0">
+              <a:latin typeface="Arial Unicode MS" panose="020B0604020202020204" pitchFamily="34" charset="-128"/>
+              <a:ea typeface="Arial Unicode MS" panose="020B0604020202020204" pitchFamily="34" charset="-128"/>
+              <a:cs typeface="Arial Unicode MS" panose="020B0604020202020204" pitchFamily="34" charset="-128"/>
+            </a:endParaRPr>
+          </a:p>
+        </p:txBody>
+      </p:sp>
+    </p:spTree>
+    <p:extLst>
+      <p:ext uri="{BB962C8B-B14F-4D97-AF65-F5344CB8AC3E}">
+        <p14:creationId xmlns:p14="http://schemas.microsoft.com/office/powerpoint/2010/main" val="1600437767"/>
+      </p:ext>
+    </p:extLst>
+  </p:cSld>
+  <p:clrMapOvr>
+    <a:masterClrMapping/>
+  </p:clrMapOvr>
+</p:sld>
+</file>
+
+<file path=ppt/slides/slide11.xml><?xml version="1.0" encoding="utf-8"?>
+<p:sld xmlns:a="http://schemas.openxmlformats.org/drawingml/2006/main" xmlns:r="http://schemas.openxmlformats.org/officeDocument/2006/relationships" xmlns:p="http://schemas.openxmlformats.org/presentationml/2006/main">
+  <p:cSld>
+    <p:spTree>
+      <p:nvGrpSpPr>
+        <p:cNvPr id="1" name=""/>
+        <p:cNvGrpSpPr/>
+        <p:nvPr/>
+      </p:nvGrpSpPr>
+      <p:grpSpPr>
+        <a:xfrm>
+          <a:off x="0" y="0"/>
+          <a:ext cx="0" cy="0"/>
+          <a:chOff x="0" y="0"/>
+          <a:chExt cx="0" cy="0"/>
+        </a:xfrm>
+      </p:grpSpPr>
+      <p:pic>
+        <p:nvPicPr>
+          <p:cNvPr id="2" name="Imagem 1">
+            <a:extLst>
+              <a:ext uri="{FF2B5EF4-FFF2-40B4-BE49-F238E27FC236}">
+                <a16:creationId xmlns:a16="http://schemas.microsoft.com/office/drawing/2014/main" id="{78F619AA-AD45-419C-93F3-A8A874366BDC}"/>
+              </a:ext>
+            </a:extLst>
+          </p:cNvPr>
+          <p:cNvPicPr>
+            <a:picLocks noChangeAspect="1"/>
+          </p:cNvPicPr>
+          <p:nvPr/>
+        </p:nvPicPr>
+        <p:blipFill>
+          <a:blip r:embed="rId2">
+            <a:extLst>
+              <a:ext uri="{28A0092B-C50C-407E-A947-70E740481C1C}">
+                <a14:useLocalDpi xmlns:a14="http://schemas.microsoft.com/office/drawing/2010/main" val="0"/>
+              </a:ext>
+            </a:extLst>
+          </a:blip>
+          <a:stretch>
+            <a:fillRect/>
+          </a:stretch>
+        </p:blipFill>
+        <p:spPr>
+          <a:xfrm>
+            <a:off x="567621" y="253155"/>
+            <a:ext cx="1704052" cy="852026"/>
+          </a:xfrm>
+          <a:prstGeom prst="rect">
+            <a:avLst/>
+          </a:prstGeom>
+        </p:spPr>
+      </p:pic>
       <p:sp>
         <p:nvSpPr>
           <p:cNvPr id="3" name="Título 2">
@@ -4072,6 +4221,21 @@
             <a:r>
               <a:rPr lang="pt-BR" dirty="0"/>
               <a:t>Todos os códigos estão disponíveis no meu repositório no GitHub:</a:t>
+            </a:r>
+          </a:p>
+          <a:p>
+            <a:pPr marL="201168" lvl="1" indent="0">
+              <a:buNone/>
+            </a:pPr>
+            <a:endParaRPr lang="pt-BR" dirty="0"/>
+          </a:p>
+          <a:p>
+            <a:pPr marL="201168" lvl="1" indent="0">
+              <a:buNone/>
+            </a:pPr>
+            <a:r>
+              <a:rPr lang="pt-BR" dirty="0"/>
+              <a:t>https://github.com/PauloH1996/case_grupo_boticario_data_engineer</a:t>
             </a:r>
           </a:p>
           <a:p>
